--- a/docs/Mockups/First Draft/Draft Goals Additional.pptx
+++ b/docs/Mockups/First Draft/Draft Goals Additional.pptx
@@ -288,7 +288,7 @@
           <a:p>
             <a:fld id="{ECB3C1DC-EE09-436C-876C-1E4BB35BFE0C}" type="datetimeFigureOut">
               <a:rPr lang="en-US" smtClean="0"/>
-              <a:t>1/13/2014</a:t>
+              <a:t>1/16/2014</a:t>
             </a:fld>
             <a:endParaRPr lang="en-US"/>
           </a:p>
@@ -458,7 +458,7 @@
           <a:p>
             <a:fld id="{ECB3C1DC-EE09-436C-876C-1E4BB35BFE0C}" type="datetimeFigureOut">
               <a:rPr lang="en-US" smtClean="0"/>
-              <a:t>1/13/2014</a:t>
+              <a:t>1/16/2014</a:t>
             </a:fld>
             <a:endParaRPr lang="en-US"/>
           </a:p>
@@ -638,7 +638,7 @@
           <a:p>
             <a:fld id="{ECB3C1DC-EE09-436C-876C-1E4BB35BFE0C}" type="datetimeFigureOut">
               <a:rPr lang="en-US" smtClean="0"/>
-              <a:t>1/13/2014</a:t>
+              <a:t>1/16/2014</a:t>
             </a:fld>
             <a:endParaRPr lang="en-US"/>
           </a:p>
@@ -808,7 +808,7 @@
           <a:p>
             <a:fld id="{ECB3C1DC-EE09-436C-876C-1E4BB35BFE0C}" type="datetimeFigureOut">
               <a:rPr lang="en-US" smtClean="0"/>
-              <a:t>1/13/2014</a:t>
+              <a:t>1/16/2014</a:t>
             </a:fld>
             <a:endParaRPr lang="en-US"/>
           </a:p>
@@ -1054,7 +1054,7 @@
           <a:p>
             <a:fld id="{ECB3C1DC-EE09-436C-876C-1E4BB35BFE0C}" type="datetimeFigureOut">
               <a:rPr lang="en-US" smtClean="0"/>
-              <a:t>1/13/2014</a:t>
+              <a:t>1/16/2014</a:t>
             </a:fld>
             <a:endParaRPr lang="en-US"/>
           </a:p>
@@ -1342,7 +1342,7 @@
           <a:p>
             <a:fld id="{ECB3C1DC-EE09-436C-876C-1E4BB35BFE0C}" type="datetimeFigureOut">
               <a:rPr lang="en-US" smtClean="0"/>
-              <a:t>1/13/2014</a:t>
+              <a:t>1/16/2014</a:t>
             </a:fld>
             <a:endParaRPr lang="en-US"/>
           </a:p>
@@ -1764,7 +1764,7 @@
           <a:p>
             <a:fld id="{ECB3C1DC-EE09-436C-876C-1E4BB35BFE0C}" type="datetimeFigureOut">
               <a:rPr lang="en-US" smtClean="0"/>
-              <a:t>1/13/2014</a:t>
+              <a:t>1/16/2014</a:t>
             </a:fld>
             <a:endParaRPr lang="en-US"/>
           </a:p>
@@ -1882,7 +1882,7 @@
           <a:p>
             <a:fld id="{ECB3C1DC-EE09-436C-876C-1E4BB35BFE0C}" type="datetimeFigureOut">
               <a:rPr lang="en-US" smtClean="0"/>
-              <a:t>1/13/2014</a:t>
+              <a:t>1/16/2014</a:t>
             </a:fld>
             <a:endParaRPr lang="en-US"/>
           </a:p>
@@ -1977,7 +1977,7 @@
           <a:p>
             <a:fld id="{ECB3C1DC-EE09-436C-876C-1E4BB35BFE0C}" type="datetimeFigureOut">
               <a:rPr lang="en-US" smtClean="0"/>
-              <a:t>1/13/2014</a:t>
+              <a:t>1/16/2014</a:t>
             </a:fld>
             <a:endParaRPr lang="en-US"/>
           </a:p>
@@ -2254,7 +2254,7 @@
           <a:p>
             <a:fld id="{ECB3C1DC-EE09-436C-876C-1E4BB35BFE0C}" type="datetimeFigureOut">
               <a:rPr lang="en-US" smtClean="0"/>
-              <a:t>1/13/2014</a:t>
+              <a:t>1/16/2014</a:t>
             </a:fld>
             <a:endParaRPr lang="en-US"/>
           </a:p>
@@ -2507,7 +2507,7 @@
           <a:p>
             <a:fld id="{ECB3C1DC-EE09-436C-876C-1E4BB35BFE0C}" type="datetimeFigureOut">
               <a:rPr lang="en-US" smtClean="0"/>
-              <a:t>1/13/2014</a:t>
+              <a:t>1/16/2014</a:t>
             </a:fld>
             <a:endParaRPr lang="en-US"/>
           </a:p>
@@ -2720,7 +2720,7 @@
           <a:p>
             <a:fld id="{ECB3C1DC-EE09-436C-876C-1E4BB35BFE0C}" type="datetimeFigureOut">
               <a:rPr lang="en-US" smtClean="0"/>
-              <a:t>1/13/2014</a:t>
+              <a:t>1/16/2014</a:t>
             </a:fld>
             <a:endParaRPr lang="en-US"/>
           </a:p>
@@ -3153,8 +3153,8 @@
         </p:nvSpPr>
         <p:spPr>
           <a:xfrm>
-            <a:off x="990600" y="685800"/>
-            <a:ext cx="7086600" cy="5410200"/>
+            <a:off x="957246" y="1371600"/>
+            <a:ext cx="7086600" cy="4038599"/>
           </a:xfrm>
           <a:prstGeom prst="flowChartProcess">
             <a:avLst/>
@@ -3215,7 +3215,7 @@
         </p:nvSpPr>
         <p:spPr>
           <a:xfrm>
-            <a:off x="3785746" y="838200"/>
+            <a:off x="3752392" y="1422970"/>
             <a:ext cx="1496307" cy="584775"/>
           </a:xfrm>
           <a:prstGeom prst="rect">
@@ -3240,15 +3240,6 @@
               </a:rPr>
               <a:t>Walking</a:t>
             </a:r>
-            <a:endParaRPr lang="en-US" sz="3200" dirty="0">
-              <a:solidFill>
-                <a:schemeClr val="tx1">
-                  <a:lumMod val="50000"/>
-                  <a:lumOff val="50000"/>
-                </a:schemeClr>
-              </a:solidFill>
-              <a:latin typeface="Calibri Light" panose="020F0302020204030204" pitchFamily="34" charset="0"/>
-            </a:endParaRPr>
           </a:p>
         </p:txBody>
       </p:sp>
@@ -3260,7 +3251,7 @@
         </p:nvSpPr>
         <p:spPr>
           <a:xfrm>
-            <a:off x="2309808" y="2000249"/>
+            <a:off x="2155017" y="2340249"/>
             <a:ext cx="3481386" cy="381000"/>
           </a:xfrm>
           <a:prstGeom prst="rect">
@@ -3306,7 +3297,7 @@
         </p:nvSpPr>
         <p:spPr>
           <a:xfrm>
-            <a:off x="2328854" y="2390774"/>
+            <a:off x="2174063" y="2730774"/>
             <a:ext cx="4624386" cy="114302"/>
           </a:xfrm>
           <a:prstGeom prst="rect">
@@ -3361,8 +3352,8 @@
         </p:nvSpPr>
         <p:spPr>
           <a:xfrm>
-            <a:off x="2000246" y="3600629"/>
-            <a:ext cx="619125" cy="369332"/>
+            <a:off x="2210193" y="3428206"/>
+            <a:ext cx="2498146" cy="369332"/>
           </a:xfrm>
           <a:prstGeom prst="rect">
             <a:avLst/>
@@ -3385,7 +3376,19 @@
                 </a:solidFill>
                 <a:latin typeface="Calibri Light" panose="020F0302020204030204" pitchFamily="34" charset="0"/>
               </a:rPr>
-              <a:t>I will</a:t>
+              <a:t>I </a:t>
+            </a:r>
+            <a:r>
+              <a:rPr lang="en-US" dirty="0" smtClean="0">
+                <a:solidFill>
+                  <a:schemeClr val="tx1">
+                    <a:lumMod val="50000"/>
+                    <a:lumOff val="50000"/>
+                  </a:schemeClr>
+                </a:solidFill>
+                <a:latin typeface="Calibri Light" panose="020F0302020204030204" pitchFamily="34" charset="0"/>
+              </a:rPr>
+              <a:t>will do this exercise for</a:t>
             </a:r>
             <a:endParaRPr lang="en-US" dirty="0">
               <a:solidFill>
@@ -3401,59 +3404,13 @@
       </p:sp>
       <p:sp>
         <p:nvSpPr>
-          <p:cNvPr id="51" name="TextBox 50"/>
-          <p:cNvSpPr txBox="1"/>
-          <p:nvPr/>
-        </p:nvSpPr>
-        <p:spPr>
-          <a:xfrm>
-            <a:off x="2152647" y="4128969"/>
-            <a:ext cx="542925" cy="369332"/>
-          </a:xfrm>
-          <a:prstGeom prst="rect">
-            <a:avLst/>
-          </a:prstGeom>
-          <a:noFill/>
-        </p:spPr>
-        <p:txBody>
-          <a:bodyPr wrap="square" rtlCol="0">
-            <a:spAutoFit/>
-          </a:bodyPr>
-          <a:lstStyle/>
-          <a:p>
-            <a:r>
-              <a:rPr lang="en-US" dirty="0" smtClean="0">
-                <a:solidFill>
-                  <a:schemeClr val="tx1">
-                    <a:lumMod val="50000"/>
-                    <a:lumOff val="50000"/>
-                  </a:schemeClr>
-                </a:solidFill>
-                <a:latin typeface="Calibri Light" panose="020F0302020204030204" pitchFamily="34" charset="0"/>
-              </a:rPr>
-              <a:t>for</a:t>
-            </a:r>
-            <a:endParaRPr lang="en-US" dirty="0">
-              <a:solidFill>
-                <a:schemeClr val="tx1">
-                  <a:lumMod val="50000"/>
-                  <a:lumOff val="50000"/>
-                </a:schemeClr>
-              </a:solidFill>
-              <a:latin typeface="Calibri Light" panose="020F0302020204030204" pitchFamily="34" charset="0"/>
-            </a:endParaRPr>
-          </a:p>
-        </p:txBody>
-      </p:sp>
-      <p:sp>
-        <p:nvSpPr>
           <p:cNvPr id="52" name="TextBox 51"/>
           <p:cNvSpPr txBox="1"/>
           <p:nvPr/>
         </p:nvSpPr>
         <p:spPr>
           <a:xfrm>
-            <a:off x="1895471" y="4656714"/>
+            <a:off x="4246547" y="3980735"/>
             <a:ext cx="723900" cy="369332"/>
           </a:xfrm>
           <a:prstGeom prst="rect">
@@ -3493,14 +3450,14 @@
       </p:sp>
       <p:sp>
         <p:nvSpPr>
-          <p:cNvPr id="31" name="Rounded Rectangle 30"/>
+          <p:cNvPr id="55" name="Rounded Rectangle 54"/>
           <p:cNvSpPr/>
           <p:nvPr/>
         </p:nvSpPr>
         <p:spPr>
           <a:xfrm>
-            <a:off x="2695572" y="3622596"/>
-            <a:ext cx="3800475" cy="325398"/>
+            <a:off x="4628350" y="3454459"/>
+            <a:ext cx="1838326" cy="316826"/>
           </a:xfrm>
           <a:prstGeom prst="roundRect">
             <a:avLst/>
@@ -3538,18 +3495,6 @@
           <a:lstStyle/>
           <a:p>
             <a:r>
-              <a:rPr lang="en-US" dirty="0">
-                <a:solidFill>
-                  <a:schemeClr val="tx1">
-                    <a:lumMod val="50000"/>
-                    <a:lumOff val="50000"/>
-                  </a:schemeClr>
-                </a:solidFill>
-                <a:latin typeface="Calibri Light" panose="020F0302020204030204" pitchFamily="34" charset="0"/>
-              </a:rPr>
-              <a:t>d</a:t>
-            </a:r>
-            <a:r>
               <a:rPr lang="en-US" dirty="0" smtClean="0">
                 <a:solidFill>
                   <a:schemeClr val="tx1">
@@ -3559,30 +3504,21 @@
                 </a:solidFill>
                 <a:latin typeface="Calibri Light" panose="020F0302020204030204" pitchFamily="34" charset="0"/>
               </a:rPr>
-              <a:t>o this exercise</a:t>
-            </a:r>
-            <a:endParaRPr lang="en-US" dirty="0" smtClean="0">
-              <a:solidFill>
-                <a:schemeClr val="tx1">
-                  <a:lumMod val="50000"/>
-                  <a:lumOff val="50000"/>
-                </a:schemeClr>
-              </a:solidFill>
-              <a:latin typeface="Calibri Light" panose="020F0302020204030204" pitchFamily="34" charset="0"/>
-            </a:endParaRPr>
-          </a:p>
-        </p:txBody>
-      </p:sp>
-      <p:sp>
-        <p:nvSpPr>
-          <p:cNvPr id="55" name="Rounded Rectangle 54"/>
+              <a:t>this many</a:t>
+            </a:r>
+          </a:p>
+        </p:txBody>
+      </p:sp>
+      <p:sp>
+        <p:nvSpPr>
+          <p:cNvPr id="56" name="Rounded Rectangle 55"/>
           <p:cNvSpPr/>
           <p:nvPr/>
         </p:nvSpPr>
         <p:spPr>
           <a:xfrm>
-            <a:off x="2695573" y="4128969"/>
-            <a:ext cx="1838326" cy="316826"/>
+            <a:off x="5108346" y="4002702"/>
+            <a:ext cx="1355150" cy="325398"/>
           </a:xfrm>
           <a:prstGeom prst="roundRect">
             <a:avLst/>
@@ -3629,9 +3565,46 @@
                 </a:solidFill>
                 <a:latin typeface="Calibri Light" panose="020F0302020204030204" pitchFamily="34" charset="0"/>
               </a:rPr>
-              <a:t>this many</a:t>
-            </a:r>
-            <a:endParaRPr lang="en-US" dirty="0" smtClean="0">
+              <a:t>day</a:t>
+            </a:r>
+          </a:p>
+        </p:txBody>
+      </p:sp>
+      <p:sp>
+        <p:nvSpPr>
+          <p:cNvPr id="57" name="TextBox 56"/>
+          <p:cNvSpPr txBox="1"/>
+          <p:nvPr/>
+        </p:nvSpPr>
+        <p:spPr>
+          <a:xfrm>
+            <a:off x="6496047" y="4656714"/>
+            <a:ext cx="361950" cy="369332"/>
+          </a:xfrm>
+          <a:prstGeom prst="rect">
+            <a:avLst/>
+          </a:prstGeom>
+          <a:noFill/>
+        </p:spPr>
+        <p:txBody>
+          <a:bodyPr wrap="square" rtlCol="0">
+            <a:spAutoFit/>
+          </a:bodyPr>
+          <a:lstStyle/>
+          <a:p>
+            <a:r>
+              <a:rPr lang="en-US" dirty="0" smtClean="0">
+                <a:solidFill>
+                  <a:schemeClr val="tx1">
+                    <a:lumMod val="50000"/>
+                    <a:lumOff val="50000"/>
+                  </a:schemeClr>
+                </a:solidFill>
+                <a:latin typeface="Calibri Light" panose="020F0302020204030204" pitchFamily="34" charset="0"/>
+              </a:rPr>
+              <a:t>.</a:t>
+            </a:r>
+            <a:endParaRPr lang="en-US" dirty="0">
               <a:solidFill>
                 <a:schemeClr val="tx1">
                   <a:lumMod val="50000"/>
@@ -3645,20 +3618,22 @@
       </p:sp>
       <p:sp>
         <p:nvSpPr>
-          <p:cNvPr id="56" name="Rounded Rectangle 55"/>
+          <p:cNvPr id="32" name="Flowchart: Process 31"/>
           <p:cNvSpPr/>
           <p:nvPr/>
         </p:nvSpPr>
         <p:spPr>
           <a:xfrm>
-            <a:off x="2695571" y="4678681"/>
-            <a:ext cx="3800475" cy="325398"/>
-          </a:xfrm>
-          <a:prstGeom prst="roundRect">
+            <a:off x="2296304" y="4648496"/>
+            <a:ext cx="4167192" cy="304800"/>
+          </a:xfrm>
+          <a:prstGeom prst="flowChartProcess">
             <a:avLst/>
           </a:prstGeom>
           <a:solidFill>
-            <a:schemeClr val="bg1"/>
+            <a:schemeClr val="bg1">
+              <a:lumMod val="95000"/>
+            </a:schemeClr>
           </a:solidFill>
           <a:ln w="3175">
             <a:solidFill>
@@ -3689,100 +3664,44 @@
           <a:bodyPr rtlCol="0" anchor="ctr"/>
           <a:lstStyle/>
           <a:p>
+            <a:pPr algn="ctr"/>
             <a:r>
               <a:rPr lang="en-US" dirty="0" smtClean="0">
                 <a:solidFill>
                   <a:schemeClr val="tx1">
-                    <a:lumMod val="50000"/>
-                    <a:lumOff val="50000"/>
+                    <a:lumMod val="75000"/>
+                    <a:lumOff val="25000"/>
                   </a:schemeClr>
                 </a:solidFill>
                 <a:latin typeface="Calibri Light" panose="020F0302020204030204" pitchFamily="34" charset="0"/>
               </a:rPr>
-              <a:t>day</a:t>
-            </a:r>
-            <a:endParaRPr lang="en-US" dirty="0" smtClean="0">
-              <a:solidFill>
-                <a:schemeClr val="tx1">
-                  <a:lumMod val="50000"/>
-                  <a:lumOff val="50000"/>
-                </a:schemeClr>
-              </a:solidFill>
-              <a:latin typeface="Calibri Light" panose="020F0302020204030204" pitchFamily="34" charset="0"/>
-            </a:endParaRPr>
-          </a:p>
-        </p:txBody>
-      </p:sp>
-      <p:sp>
-        <p:nvSpPr>
-          <p:cNvPr id="57" name="TextBox 56"/>
-          <p:cNvSpPr txBox="1"/>
+              <a:t>Add Goal</a:t>
+            </a:r>
+          </a:p>
+        </p:txBody>
+      </p:sp>
+      <p:sp>
+        <p:nvSpPr>
+          <p:cNvPr id="37" name="Oval 36"/>
+          <p:cNvSpPr/>
           <p:nvPr/>
         </p:nvSpPr>
         <p:spPr>
           <a:xfrm>
-            <a:off x="6496047" y="4656714"/>
-            <a:ext cx="361950" cy="369332"/>
-          </a:xfrm>
-          <a:prstGeom prst="rect">
-            <a:avLst/>
-          </a:prstGeom>
-          <a:noFill/>
-        </p:spPr>
-        <p:txBody>
-          <a:bodyPr wrap="square" rtlCol="0">
-            <a:spAutoFit/>
-          </a:bodyPr>
-          <a:lstStyle/>
-          <a:p>
-            <a:r>
-              <a:rPr lang="en-US" dirty="0" smtClean="0">
-                <a:solidFill>
-                  <a:schemeClr val="tx1">
-                    <a:lumMod val="50000"/>
-                    <a:lumOff val="50000"/>
-                  </a:schemeClr>
-                </a:solidFill>
-                <a:latin typeface="Calibri Light" panose="020F0302020204030204" pitchFamily="34" charset="0"/>
-              </a:rPr>
-              <a:t>.</a:t>
-            </a:r>
-            <a:endParaRPr lang="en-US" dirty="0">
-              <a:solidFill>
-                <a:schemeClr val="tx1">
-                  <a:lumMod val="50000"/>
-                  <a:lumOff val="50000"/>
-                </a:schemeClr>
-              </a:solidFill>
-              <a:latin typeface="Calibri Light" panose="020F0302020204030204" pitchFamily="34" charset="0"/>
-            </a:endParaRPr>
-          </a:p>
-        </p:txBody>
-      </p:sp>
-      <p:sp>
-        <p:nvSpPr>
-          <p:cNvPr id="32" name="Flowchart: Process 31"/>
-          <p:cNvSpPr/>
-          <p:nvPr/>
-        </p:nvSpPr>
-        <p:spPr>
-          <a:xfrm>
-            <a:off x="2695572" y="5324475"/>
-            <a:ext cx="3800474" cy="304800"/>
-          </a:xfrm>
-          <a:prstGeom prst="flowChartProcess">
+            <a:off x="6854022" y="4579871"/>
+            <a:ext cx="457200" cy="442050"/>
+          </a:xfrm>
+          <a:prstGeom prst="ellipse">
             <a:avLst/>
           </a:prstGeom>
           <a:solidFill>
-            <a:schemeClr val="bg1">
-              <a:lumMod val="95000"/>
-            </a:schemeClr>
+            <a:schemeClr val="bg1"/>
           </a:solidFill>
-          <a:ln w="3175">
+          <a:ln w="12700">
             <a:solidFill>
               <a:schemeClr val="tx1">
-                <a:lumMod val="75000"/>
-                <a:lumOff val="25000"/>
+                <a:lumMod val="50000"/>
+                <a:lumOff val="50000"/>
               </a:schemeClr>
             </a:solidFill>
           </a:ln>
@@ -3808,77 +3727,6 @@
           <a:lstStyle/>
           <a:p>
             <a:pPr algn="ctr"/>
-            <a:r>
-              <a:rPr lang="en-US" dirty="0" smtClean="0">
-                <a:solidFill>
-                  <a:schemeClr val="tx1">
-                    <a:lumMod val="75000"/>
-                    <a:lumOff val="25000"/>
-                  </a:schemeClr>
-                </a:solidFill>
-                <a:latin typeface="Calibri Light" panose="020F0302020204030204" pitchFamily="34" charset="0"/>
-              </a:rPr>
-              <a:t>Add Goal</a:t>
-            </a:r>
-            <a:endParaRPr lang="en-US" dirty="0" smtClean="0">
-              <a:solidFill>
-                <a:schemeClr val="tx1">
-                  <a:lumMod val="75000"/>
-                  <a:lumOff val="25000"/>
-                </a:schemeClr>
-              </a:solidFill>
-              <a:latin typeface="Calibri Light" panose="020F0302020204030204" pitchFamily="34" charset="0"/>
-            </a:endParaRPr>
-          </a:p>
-        </p:txBody>
-      </p:sp>
-      <p:sp>
-        <p:nvSpPr>
-          <p:cNvPr id="37" name="Oval 36"/>
-          <p:cNvSpPr/>
-          <p:nvPr/>
-        </p:nvSpPr>
-        <p:spPr>
-          <a:xfrm>
-            <a:off x="6886572" y="5255850"/>
-            <a:ext cx="457200" cy="442050"/>
-          </a:xfrm>
-          <a:prstGeom prst="ellipse">
-            <a:avLst/>
-          </a:prstGeom>
-          <a:solidFill>
-            <a:schemeClr val="bg1"/>
-          </a:solidFill>
-          <a:ln w="12700">
-            <a:solidFill>
-              <a:schemeClr val="tx1">
-                <a:lumMod val="50000"/>
-                <a:lumOff val="50000"/>
-              </a:schemeClr>
-            </a:solidFill>
-          </a:ln>
-        </p:spPr>
-        <p:style>
-          <a:lnRef idx="2">
-            <a:schemeClr val="accent1">
-              <a:shade val="50000"/>
-            </a:schemeClr>
-          </a:lnRef>
-          <a:fillRef idx="1">
-            <a:schemeClr val="accent1"/>
-          </a:fillRef>
-          <a:effectRef idx="0">
-            <a:schemeClr val="accent1"/>
-          </a:effectRef>
-          <a:fontRef idx="minor">
-            <a:schemeClr val="lt1"/>
-          </a:fontRef>
-        </p:style>
-        <p:txBody>
-          <a:bodyPr rtlCol="0" anchor="ctr"/>
-          <a:lstStyle/>
-          <a:p>
-            <a:pPr algn="ctr"/>
             <a:endParaRPr lang="en-US" dirty="0" smtClean="0">
               <a:solidFill>
                 <a:schemeClr val="tx1">
@@ -3900,7 +3748,7 @@
         </p:nvCxnSpPr>
         <p:spPr>
           <a:xfrm>
-            <a:off x="7115172" y="5255850"/>
+            <a:off x="7082622" y="4579871"/>
             <a:ext cx="0" cy="221025"/>
           </a:xfrm>
           <a:prstGeom prst="line">
@@ -3938,7 +3786,7 @@
         </p:nvCxnSpPr>
         <p:spPr>
           <a:xfrm flipH="1">
-            <a:off x="7000870" y="5476875"/>
+            <a:off x="6968320" y="4800896"/>
             <a:ext cx="114302" cy="47554"/>
           </a:xfrm>
           <a:prstGeom prst="line">
@@ -3976,8 +3824,8 @@
         </p:nvSpPr>
         <p:spPr>
           <a:xfrm>
-            <a:off x="4595809" y="4120397"/>
-            <a:ext cx="1900237" cy="325398"/>
+            <a:off x="2277258" y="4002702"/>
+            <a:ext cx="1881192" cy="325398"/>
           </a:xfrm>
           <a:prstGeom prst="roundRect">
             <a:avLst/>
@@ -4026,15 +3874,6 @@
               </a:rPr>
               <a:t>seconds</a:t>
             </a:r>
-            <a:endParaRPr lang="en-US" dirty="0" smtClean="0">
-              <a:solidFill>
-                <a:schemeClr val="tx1">
-                  <a:lumMod val="50000"/>
-                  <a:lumOff val="50000"/>
-                </a:schemeClr>
-              </a:solidFill>
-              <a:latin typeface="Calibri Light" panose="020F0302020204030204" pitchFamily="34" charset="0"/>
-            </a:endParaRPr>
           </a:p>
         </p:txBody>
       </p:sp>
@@ -4046,7 +3885,7 @@
         </p:nvCxnSpPr>
         <p:spPr>
           <a:xfrm>
-            <a:off x="6062661" y="4120397"/>
+            <a:off x="3697270" y="4002702"/>
             <a:ext cx="0" cy="325398"/>
           </a:xfrm>
           <a:prstGeom prst="line">
@@ -4084,7 +3923,7 @@
         </p:nvCxnSpPr>
         <p:spPr>
           <a:xfrm>
-            <a:off x="6062661" y="4678681"/>
+            <a:off x="6030111" y="4002702"/>
             <a:ext cx="0" cy="312719"/>
           </a:xfrm>
           <a:prstGeom prst="line">
@@ -4122,7 +3961,7 @@
         </p:nvSpPr>
         <p:spPr>
           <a:xfrm flipV="1">
-            <a:off x="6172200" y="4195049"/>
+            <a:off x="3806809" y="4077354"/>
             <a:ext cx="228603" cy="184666"/>
           </a:xfrm>
           <a:prstGeom prst="triangle">
@@ -4179,7 +4018,7 @@
         </p:nvSpPr>
         <p:spPr>
           <a:xfrm flipV="1">
-            <a:off x="6162676" y="4749047"/>
+            <a:off x="6130126" y="4073068"/>
             <a:ext cx="228603" cy="184666"/>
           </a:xfrm>
           <a:prstGeom prst="triangle">
@@ -4236,7 +4075,7 @@
         </p:nvSpPr>
         <p:spPr>
           <a:xfrm>
-            <a:off x="7467600" y="822468"/>
+            <a:off x="7424735" y="1569166"/>
             <a:ext cx="457200" cy="292387"/>
           </a:xfrm>
           <a:prstGeom prst="rect">
@@ -4290,7 +4129,7 @@
         </p:nvCxnSpPr>
         <p:spPr>
           <a:xfrm>
-            <a:off x="7581900" y="903430"/>
+            <a:off x="7539035" y="1650128"/>
             <a:ext cx="228600" cy="130461"/>
           </a:xfrm>
           <a:prstGeom prst="line">
@@ -4327,7 +4166,7 @@
         </p:nvCxnSpPr>
         <p:spPr>
           <a:xfrm flipH="1">
-            <a:off x="7581900" y="903430"/>
+            <a:off x="7539035" y="1650128"/>
             <a:ext cx="228600" cy="130461"/>
           </a:xfrm>
           <a:prstGeom prst="line">
@@ -4364,7 +4203,7 @@
         </p:nvSpPr>
         <p:spPr>
           <a:xfrm>
-            <a:off x="7239000" y="2000249"/>
+            <a:off x="7128657" y="2340249"/>
             <a:ext cx="685800" cy="590551"/>
           </a:xfrm>
           <a:prstGeom prst="rect">
@@ -4418,7 +4257,7 @@
         </p:nvSpPr>
         <p:spPr>
           <a:xfrm rot="5400000">
-            <a:off x="7410449" y="2138361"/>
+            <a:off x="7300106" y="2478361"/>
             <a:ext cx="342900" cy="314327"/>
           </a:xfrm>
           <a:prstGeom prst="triangle">
@@ -4470,7 +4309,7 @@
         </p:nvSpPr>
         <p:spPr>
           <a:xfrm rot="10800000">
-            <a:off x="1314446" y="2000249"/>
+            <a:off x="1157281" y="2340249"/>
             <a:ext cx="685800" cy="590551"/>
           </a:xfrm>
           <a:prstGeom prst="rect">
@@ -4524,7 +4363,7 @@
         </p:nvSpPr>
         <p:spPr>
           <a:xfrm rot="16200000">
-            <a:off x="1485895" y="2138361"/>
+            <a:off x="1328730" y="2478361"/>
             <a:ext cx="342900" cy="314327"/>
           </a:xfrm>
           <a:prstGeom prst="triangle">

--- a/docs/Mockups/First Draft/Draft Goals Additional.pptx
+++ b/docs/Mockups/First Draft/Draft Goals Additional.pptx
@@ -288,7 +288,7 @@
           <a:p>
             <a:fld id="{ECB3C1DC-EE09-436C-876C-1E4BB35BFE0C}" type="datetimeFigureOut">
               <a:rPr lang="en-US" smtClean="0"/>
-              <a:t>1/16/2014</a:t>
+              <a:t>1/18/2014</a:t>
             </a:fld>
             <a:endParaRPr lang="en-US"/>
           </a:p>
@@ -458,7 +458,7 @@
           <a:p>
             <a:fld id="{ECB3C1DC-EE09-436C-876C-1E4BB35BFE0C}" type="datetimeFigureOut">
               <a:rPr lang="en-US" smtClean="0"/>
-              <a:t>1/16/2014</a:t>
+              <a:t>1/18/2014</a:t>
             </a:fld>
             <a:endParaRPr lang="en-US"/>
           </a:p>
@@ -638,7 +638,7 @@
           <a:p>
             <a:fld id="{ECB3C1DC-EE09-436C-876C-1E4BB35BFE0C}" type="datetimeFigureOut">
               <a:rPr lang="en-US" smtClean="0"/>
-              <a:t>1/16/2014</a:t>
+              <a:t>1/18/2014</a:t>
             </a:fld>
             <a:endParaRPr lang="en-US"/>
           </a:p>
@@ -808,7 +808,7 @@
           <a:p>
             <a:fld id="{ECB3C1DC-EE09-436C-876C-1E4BB35BFE0C}" type="datetimeFigureOut">
               <a:rPr lang="en-US" smtClean="0"/>
-              <a:t>1/16/2014</a:t>
+              <a:t>1/18/2014</a:t>
             </a:fld>
             <a:endParaRPr lang="en-US"/>
           </a:p>
@@ -1054,7 +1054,7 @@
           <a:p>
             <a:fld id="{ECB3C1DC-EE09-436C-876C-1E4BB35BFE0C}" type="datetimeFigureOut">
               <a:rPr lang="en-US" smtClean="0"/>
-              <a:t>1/16/2014</a:t>
+              <a:t>1/18/2014</a:t>
             </a:fld>
             <a:endParaRPr lang="en-US"/>
           </a:p>
@@ -1342,7 +1342,7 @@
           <a:p>
             <a:fld id="{ECB3C1DC-EE09-436C-876C-1E4BB35BFE0C}" type="datetimeFigureOut">
               <a:rPr lang="en-US" smtClean="0"/>
-              <a:t>1/16/2014</a:t>
+              <a:t>1/18/2014</a:t>
             </a:fld>
             <a:endParaRPr lang="en-US"/>
           </a:p>
@@ -1764,7 +1764,7 @@
           <a:p>
             <a:fld id="{ECB3C1DC-EE09-436C-876C-1E4BB35BFE0C}" type="datetimeFigureOut">
               <a:rPr lang="en-US" smtClean="0"/>
-              <a:t>1/16/2014</a:t>
+              <a:t>1/18/2014</a:t>
             </a:fld>
             <a:endParaRPr lang="en-US"/>
           </a:p>
@@ -1882,7 +1882,7 @@
           <a:p>
             <a:fld id="{ECB3C1DC-EE09-436C-876C-1E4BB35BFE0C}" type="datetimeFigureOut">
               <a:rPr lang="en-US" smtClean="0"/>
-              <a:t>1/16/2014</a:t>
+              <a:t>1/18/2014</a:t>
             </a:fld>
             <a:endParaRPr lang="en-US"/>
           </a:p>
@@ -1977,7 +1977,7 @@
           <a:p>
             <a:fld id="{ECB3C1DC-EE09-436C-876C-1E4BB35BFE0C}" type="datetimeFigureOut">
               <a:rPr lang="en-US" smtClean="0"/>
-              <a:t>1/16/2014</a:t>
+              <a:t>1/18/2014</a:t>
             </a:fld>
             <a:endParaRPr lang="en-US"/>
           </a:p>
@@ -2254,7 +2254,7 @@
           <a:p>
             <a:fld id="{ECB3C1DC-EE09-436C-876C-1E4BB35BFE0C}" type="datetimeFigureOut">
               <a:rPr lang="en-US" smtClean="0"/>
-              <a:t>1/16/2014</a:t>
+              <a:t>1/18/2014</a:t>
             </a:fld>
             <a:endParaRPr lang="en-US"/>
           </a:p>
@@ -2507,7 +2507,7 @@
           <a:p>
             <a:fld id="{ECB3C1DC-EE09-436C-876C-1E4BB35BFE0C}" type="datetimeFigureOut">
               <a:rPr lang="en-US" smtClean="0"/>
-              <a:t>1/16/2014</a:t>
+              <a:t>1/18/2014</a:t>
             </a:fld>
             <a:endParaRPr lang="en-US"/>
           </a:p>
@@ -2720,7 +2720,7 @@
           <a:p>
             <a:fld id="{ECB3C1DC-EE09-436C-876C-1E4BB35BFE0C}" type="datetimeFigureOut">
               <a:rPr lang="en-US" smtClean="0"/>
-              <a:t>1/16/2014</a:t>
+              <a:t>1/18/2014</a:t>
             </a:fld>
             <a:endParaRPr lang="en-US"/>
           </a:p>
@@ -3376,19 +3376,7 @@
                 </a:solidFill>
                 <a:latin typeface="Calibri Light" panose="020F0302020204030204" pitchFamily="34" charset="0"/>
               </a:rPr>
-              <a:t>I </a:t>
-            </a:r>
-            <a:r>
-              <a:rPr lang="en-US" dirty="0" smtClean="0">
-                <a:solidFill>
-                  <a:schemeClr val="tx1">
-                    <a:lumMod val="50000"/>
-                    <a:lumOff val="50000"/>
-                  </a:schemeClr>
-                </a:solidFill>
-                <a:latin typeface="Calibri Light" panose="020F0302020204030204" pitchFamily="34" charset="0"/>
-              </a:rPr>
-              <a:t>will do this exercise for</a:t>
+              <a:t>I will do this exercise for</a:t>
             </a:r>
             <a:endParaRPr lang="en-US" dirty="0">
               <a:solidFill>
@@ -3578,7 +3566,7 @@
         </p:nvSpPr>
         <p:spPr>
           <a:xfrm>
-            <a:off x="6496047" y="4656714"/>
+            <a:off x="6483325" y="4008595"/>
             <a:ext cx="361950" cy="369332"/>
           </a:xfrm>
           <a:prstGeom prst="rect">
@@ -3680,142 +3668,6 @@
           </a:p>
         </p:txBody>
       </p:sp>
-      <p:sp>
-        <p:nvSpPr>
-          <p:cNvPr id="37" name="Oval 36"/>
-          <p:cNvSpPr/>
-          <p:nvPr/>
-        </p:nvSpPr>
-        <p:spPr>
-          <a:xfrm>
-            <a:off x="6854022" y="4579871"/>
-            <a:ext cx="457200" cy="442050"/>
-          </a:xfrm>
-          <a:prstGeom prst="ellipse">
-            <a:avLst/>
-          </a:prstGeom>
-          <a:solidFill>
-            <a:schemeClr val="bg1"/>
-          </a:solidFill>
-          <a:ln w="12700">
-            <a:solidFill>
-              <a:schemeClr val="tx1">
-                <a:lumMod val="50000"/>
-                <a:lumOff val="50000"/>
-              </a:schemeClr>
-            </a:solidFill>
-          </a:ln>
-        </p:spPr>
-        <p:style>
-          <a:lnRef idx="2">
-            <a:schemeClr val="accent1">
-              <a:shade val="50000"/>
-            </a:schemeClr>
-          </a:lnRef>
-          <a:fillRef idx="1">
-            <a:schemeClr val="accent1"/>
-          </a:fillRef>
-          <a:effectRef idx="0">
-            <a:schemeClr val="accent1"/>
-          </a:effectRef>
-          <a:fontRef idx="minor">
-            <a:schemeClr val="lt1"/>
-          </a:fontRef>
-        </p:style>
-        <p:txBody>
-          <a:bodyPr rtlCol="0" anchor="ctr"/>
-          <a:lstStyle/>
-          <a:p>
-            <a:pPr algn="ctr"/>
-            <a:endParaRPr lang="en-US" dirty="0" smtClean="0">
-              <a:solidFill>
-                <a:schemeClr val="tx1">
-                  <a:lumMod val="50000"/>
-                  <a:lumOff val="50000"/>
-                </a:schemeClr>
-              </a:solidFill>
-            </a:endParaRPr>
-          </a:p>
-        </p:txBody>
-      </p:sp>
-      <p:cxnSp>
-        <p:nvCxnSpPr>
-          <p:cNvPr id="41" name="Straight Connector 40"/>
-          <p:cNvCxnSpPr>
-            <a:stCxn id="37" idx="0"/>
-          </p:cNvCxnSpPr>
-          <p:nvPr/>
-        </p:nvCxnSpPr>
-        <p:spPr>
-          <a:xfrm>
-            <a:off x="7082622" y="4579871"/>
-            <a:ext cx="0" cy="221025"/>
-          </a:xfrm>
-          <a:prstGeom prst="line">
-            <a:avLst/>
-          </a:prstGeom>
-          <a:ln w="12700">
-            <a:solidFill>
-              <a:schemeClr val="tx1">
-                <a:lumMod val="50000"/>
-                <a:lumOff val="50000"/>
-              </a:schemeClr>
-            </a:solidFill>
-          </a:ln>
-        </p:spPr>
-        <p:style>
-          <a:lnRef idx="1">
-            <a:schemeClr val="accent1"/>
-          </a:lnRef>
-          <a:fillRef idx="0">
-            <a:schemeClr val="accent1"/>
-          </a:fillRef>
-          <a:effectRef idx="0">
-            <a:schemeClr val="accent1"/>
-          </a:effectRef>
-          <a:fontRef idx="minor">
-            <a:schemeClr val="tx1"/>
-          </a:fontRef>
-        </p:style>
-      </p:cxnSp>
-      <p:cxnSp>
-        <p:nvCxnSpPr>
-          <p:cNvPr id="50" name="Straight Connector 49"/>
-          <p:cNvCxnSpPr/>
-          <p:nvPr/>
-        </p:nvCxnSpPr>
-        <p:spPr>
-          <a:xfrm flipH="1">
-            <a:off x="6968320" y="4800896"/>
-            <a:ext cx="114302" cy="47554"/>
-          </a:xfrm>
-          <a:prstGeom prst="line">
-            <a:avLst/>
-          </a:prstGeom>
-          <a:ln w="12700">
-            <a:solidFill>
-              <a:schemeClr val="tx1">
-                <a:lumMod val="50000"/>
-                <a:lumOff val="50000"/>
-              </a:schemeClr>
-            </a:solidFill>
-          </a:ln>
-        </p:spPr>
-        <p:style>
-          <a:lnRef idx="1">
-            <a:schemeClr val="accent1"/>
-          </a:lnRef>
-          <a:fillRef idx="0">
-            <a:schemeClr val="accent1"/>
-          </a:fillRef>
-          <a:effectRef idx="0">
-            <a:schemeClr val="accent1"/>
-          </a:effectRef>
-          <a:fontRef idx="minor">
-            <a:schemeClr val="tx1"/>
-          </a:fontRef>
-        </p:style>
-      </p:cxnSp>
       <p:sp>
         <p:nvSpPr>
           <p:cNvPr id="75" name="Rounded Rectangle 74"/>
